--- a/StoryBoard.pptx
+++ b/StoryBoard.pptx
@@ -3669,6 +3669,13 @@
   <p:clrMapOvr>
     <a:masterClrMapping/>
   </p:clrMapOvr>
+  <p:timing>
+    <p:tnLst>
+      <p:par>
+        <p:cTn id="1" dur="indefinite" restart="never" nodeType="tmRoot"/>
+      </p:par>
+    </p:tnLst>
+  </p:timing>
 </p:sld>
 </file>
 
@@ -5300,6 +5307,13 @@
   <p:clrMapOvr>
     <a:masterClrMapping/>
   </p:clrMapOvr>
+  <p:timing>
+    <p:tnLst>
+      <p:par>
+        <p:cTn id="1" dur="indefinite" restart="never" nodeType="tmRoot"/>
+      </p:par>
+    </p:tnLst>
+  </p:timing>
 </p:sld>
 </file>
 
@@ -6875,6 +6889,13 @@
   <p:clrMapOvr>
     <a:masterClrMapping/>
   </p:clrMapOvr>
+  <p:timing>
+    <p:tnLst>
+      <p:par>
+        <p:cTn id="1" dur="indefinite" restart="never" nodeType="tmRoot"/>
+      </p:par>
+    </p:tnLst>
+  </p:timing>
 </p:sld>
 </file>
 
@@ -6897,55 +6918,408 @@
       </p:grpSpPr>
       <p:sp>
         <p:nvSpPr>
-          <p:cNvPr id="2" name="Title 1"/>
-          <p:cNvSpPr>
-            <a:spLocks noGrp="1"/>
-          </p:cNvSpPr>
-          <p:nvPr>
-            <p:ph type="title" idx="4294967295"/>
-          </p:nvPr>
-        </p:nvSpPr>
-        <p:spPr>
-          <a:xfrm>
-            <a:off x="838200" y="365125"/>
-            <a:ext cx="10515600" cy="1325563"/>
-          </a:xfrm>
-          <a:prstGeom prst="rect">
-            <a:avLst/>
-          </a:prstGeom>
-        </p:spPr>
-        <p:txBody>
-          <a:bodyPr/>
-          <a:lstStyle/>
-          <a:p>
-            <a:endParaRPr lang="en-GB"/>
-          </a:p>
-        </p:txBody>
-      </p:sp>
-      <p:sp>
-        <p:nvSpPr>
-          <p:cNvPr id="3" name="Content Placeholder 2"/>
-          <p:cNvSpPr>
-            <a:spLocks noGrp="1"/>
-          </p:cNvSpPr>
-          <p:nvPr>
-            <p:ph idx="4294967295"/>
-          </p:nvPr>
-        </p:nvSpPr>
-        <p:spPr>
-          <a:xfrm>
-            <a:off x="838200" y="1825625"/>
-            <a:ext cx="10515600" cy="4351338"/>
-          </a:xfrm>
-          <a:prstGeom prst="rect">
-            <a:avLst/>
-          </a:prstGeom>
-        </p:spPr>
-        <p:txBody>
-          <a:bodyPr/>
-          <a:lstStyle/>
-          <a:p>
-            <a:endParaRPr lang="en-GB"/>
+          <p:cNvPr id="4" name="Rectangle 3"/>
+          <p:cNvSpPr/>
+          <p:nvPr/>
+        </p:nvSpPr>
+        <p:spPr>
+          <a:xfrm>
+            <a:off x="115330" y="535459"/>
+            <a:ext cx="2174789" cy="5725298"/>
+          </a:xfrm>
+          <a:prstGeom prst="rect">
+            <a:avLst/>
+          </a:prstGeom>
+        </p:spPr>
+        <p:style>
+          <a:lnRef idx="2">
+            <a:schemeClr val="accent1">
+              <a:shade val="50000"/>
+            </a:schemeClr>
+          </a:lnRef>
+          <a:fillRef idx="1">
+            <a:schemeClr val="accent1"/>
+          </a:fillRef>
+          <a:effectRef idx="0">
+            <a:schemeClr val="accent1"/>
+          </a:effectRef>
+          <a:fontRef idx="minor">
+            <a:schemeClr val="lt1"/>
+          </a:fontRef>
+        </p:style>
+        <p:txBody>
+          <a:bodyPr rtlCol="0" anchor="ctr"/>
+          <a:lstStyle/>
+          <a:p>
+            <a:pPr algn="ctr"/>
+            <a:endParaRPr lang="en-GB"/>
+          </a:p>
+        </p:txBody>
+      </p:sp>
+      <p:sp>
+        <p:nvSpPr>
+          <p:cNvPr id="5" name="Rectangle 4"/>
+          <p:cNvSpPr/>
+          <p:nvPr/>
+        </p:nvSpPr>
+        <p:spPr>
+          <a:xfrm>
+            <a:off x="2487827" y="551935"/>
+            <a:ext cx="6219568" cy="5725297"/>
+          </a:xfrm>
+          <a:prstGeom prst="rect">
+            <a:avLst/>
+          </a:prstGeom>
+        </p:spPr>
+        <p:style>
+          <a:lnRef idx="2">
+            <a:schemeClr val="accent1">
+              <a:shade val="50000"/>
+            </a:schemeClr>
+          </a:lnRef>
+          <a:fillRef idx="1">
+            <a:schemeClr val="accent1"/>
+          </a:fillRef>
+          <a:effectRef idx="0">
+            <a:schemeClr val="accent1"/>
+          </a:effectRef>
+          <a:fontRef idx="minor">
+            <a:schemeClr val="lt1"/>
+          </a:fontRef>
+        </p:style>
+        <p:txBody>
+          <a:bodyPr rtlCol="0" anchor="ctr"/>
+          <a:lstStyle/>
+          <a:p>
+            <a:pPr algn="ctr"/>
+            <a:endParaRPr lang="en-GB"/>
+          </a:p>
+        </p:txBody>
+      </p:sp>
+      <p:sp>
+        <p:nvSpPr>
+          <p:cNvPr id="6" name="Rectangle 5"/>
+          <p:cNvSpPr/>
+          <p:nvPr/>
+        </p:nvSpPr>
+        <p:spPr>
+          <a:xfrm>
+            <a:off x="8913341" y="535459"/>
+            <a:ext cx="3155091" cy="5725298"/>
+          </a:xfrm>
+          <a:prstGeom prst="rect">
+            <a:avLst/>
+          </a:prstGeom>
+        </p:spPr>
+        <p:style>
+          <a:lnRef idx="2">
+            <a:schemeClr val="accent1">
+              <a:shade val="50000"/>
+            </a:schemeClr>
+          </a:lnRef>
+          <a:fillRef idx="1">
+            <a:schemeClr val="accent1"/>
+          </a:fillRef>
+          <a:effectRef idx="0">
+            <a:schemeClr val="accent1"/>
+          </a:effectRef>
+          <a:fontRef idx="minor">
+            <a:schemeClr val="lt1"/>
+          </a:fontRef>
+        </p:style>
+        <p:txBody>
+          <a:bodyPr rtlCol="0" anchor="ctr"/>
+          <a:lstStyle/>
+          <a:p>
+            <a:pPr algn="ctr"/>
+            <a:endParaRPr lang="en-GB"/>
+          </a:p>
+        </p:txBody>
+      </p:sp>
+      <p:sp>
+        <p:nvSpPr>
+          <p:cNvPr id="7" name="TextBox 6"/>
+          <p:cNvSpPr txBox="1"/>
+          <p:nvPr/>
+        </p:nvSpPr>
+        <p:spPr>
+          <a:xfrm>
+            <a:off x="107092" y="535459"/>
+            <a:ext cx="2183027" cy="369332"/>
+          </a:xfrm>
+          <a:prstGeom prst="rect">
+            <a:avLst/>
+          </a:prstGeom>
+          <a:noFill/>
+        </p:spPr>
+        <p:txBody>
+          <a:bodyPr wrap="square" rtlCol="0">
+            <a:spAutoFit/>
+          </a:bodyPr>
+          <a:lstStyle/>
+          <a:p>
+            <a:pPr algn="ctr"/>
+            <a:r>
+              <a:rPr lang="en-GB" dirty="0" smtClean="0"/>
+              <a:t>You Searched for</a:t>
+            </a:r>
+            <a:endParaRPr lang="en-GB" dirty="0"/>
+          </a:p>
+        </p:txBody>
+      </p:sp>
+      <p:sp>
+        <p:nvSpPr>
+          <p:cNvPr id="8" name="TextBox 7"/>
+          <p:cNvSpPr txBox="1"/>
+          <p:nvPr/>
+        </p:nvSpPr>
+        <p:spPr>
+          <a:xfrm>
+            <a:off x="2487827" y="535459"/>
+            <a:ext cx="6219568" cy="369332"/>
+          </a:xfrm>
+          <a:prstGeom prst="rect">
+            <a:avLst/>
+          </a:prstGeom>
+          <a:noFill/>
+        </p:spPr>
+        <p:txBody>
+          <a:bodyPr wrap="square" rtlCol="0">
+            <a:spAutoFit/>
+          </a:bodyPr>
+          <a:lstStyle/>
+          <a:p>
+            <a:pPr algn="ctr"/>
+            <a:r>
+              <a:rPr lang="en-GB" dirty="0" smtClean="0"/>
+              <a:t>Results</a:t>
+            </a:r>
+            <a:endParaRPr lang="en-GB" dirty="0"/>
+          </a:p>
+        </p:txBody>
+      </p:sp>
+      <p:sp>
+        <p:nvSpPr>
+          <p:cNvPr id="9" name="TextBox 8"/>
+          <p:cNvSpPr txBox="1"/>
+          <p:nvPr/>
+        </p:nvSpPr>
+        <p:spPr>
+          <a:xfrm>
+            <a:off x="8913341" y="535459"/>
+            <a:ext cx="3155091" cy="369332"/>
+          </a:xfrm>
+          <a:prstGeom prst="rect">
+            <a:avLst/>
+          </a:prstGeom>
+          <a:noFill/>
+        </p:spPr>
+        <p:txBody>
+          <a:bodyPr wrap="square" rtlCol="0">
+            <a:spAutoFit/>
+          </a:bodyPr>
+          <a:lstStyle/>
+          <a:p>
+            <a:pPr algn="ctr"/>
+            <a:r>
+              <a:rPr lang="en-GB" dirty="0" smtClean="0"/>
+              <a:t>Contact info</a:t>
+            </a:r>
+            <a:endParaRPr lang="en-GB" dirty="0"/>
+          </a:p>
+        </p:txBody>
+      </p:sp>
+      <p:sp>
+        <p:nvSpPr>
+          <p:cNvPr id="10" name="TextBox 9"/>
+          <p:cNvSpPr txBox="1"/>
+          <p:nvPr/>
+        </p:nvSpPr>
+        <p:spPr>
+          <a:xfrm>
+            <a:off x="247135" y="2537420"/>
+            <a:ext cx="1902940" cy="1754326"/>
+          </a:xfrm>
+          <a:prstGeom prst="rect">
+            <a:avLst/>
+          </a:prstGeom>
+          <a:noFill/>
+        </p:spPr>
+        <p:txBody>
+          <a:bodyPr wrap="square" rtlCol="0">
+            <a:spAutoFit/>
+          </a:bodyPr>
+          <a:lstStyle/>
+          <a:p>
+            <a:r>
+              <a:rPr lang="en-GB" dirty="0" smtClean="0"/>
+              <a:t>*here the user will see a what they have searched for </a:t>
+            </a:r>
+            <a:r>
+              <a:rPr lang="en-GB" dirty="0" err="1" smtClean="0"/>
+              <a:t>eg</a:t>
+            </a:r>
+            <a:r>
+              <a:rPr lang="en-GB" dirty="0" smtClean="0"/>
+              <a:t>. Postcode, keyword etc.*</a:t>
+            </a:r>
+            <a:endParaRPr lang="en-GB" dirty="0"/>
+          </a:p>
+        </p:txBody>
+      </p:sp>
+      <p:sp>
+        <p:nvSpPr>
+          <p:cNvPr id="11" name="TextBox 10"/>
+          <p:cNvSpPr txBox="1"/>
+          <p:nvPr/>
+        </p:nvSpPr>
+        <p:spPr>
+          <a:xfrm>
+            <a:off x="115330" y="841409"/>
+            <a:ext cx="1186248" cy="276999"/>
+          </a:xfrm>
+          <a:prstGeom prst="rect">
+            <a:avLst/>
+          </a:prstGeom>
+          <a:solidFill>
+            <a:srgbClr val="00529B"/>
+          </a:solidFill>
+        </p:spPr>
+        <p:txBody>
+          <a:bodyPr wrap="square" rtlCol="0">
+            <a:spAutoFit/>
+          </a:bodyPr>
+          <a:lstStyle/>
+          <a:p>
+            <a:r>
+              <a:rPr lang="en-GB" sz="1200" dirty="0" smtClean="0">
+                <a:solidFill>
+                  <a:schemeClr val="bg1"/>
+                </a:solidFill>
+              </a:rPr>
+              <a:t>Back to search</a:t>
+            </a:r>
+            <a:endParaRPr lang="en-GB" sz="1200" dirty="0">
+              <a:solidFill>
+                <a:schemeClr val="bg1"/>
+              </a:solidFill>
+            </a:endParaRPr>
+          </a:p>
+        </p:txBody>
+      </p:sp>
+      <p:sp>
+        <p:nvSpPr>
+          <p:cNvPr id="12" name="TextBox 11"/>
+          <p:cNvSpPr txBox="1"/>
+          <p:nvPr/>
+        </p:nvSpPr>
+        <p:spPr>
+          <a:xfrm>
+            <a:off x="2611395" y="904791"/>
+            <a:ext cx="6005383" cy="1046440"/>
+          </a:xfrm>
+          <a:prstGeom prst="rect">
+            <a:avLst/>
+          </a:prstGeom>
+          <a:noFill/>
+          <a:ln>
+            <a:solidFill>
+              <a:schemeClr val="tx1"/>
+            </a:solidFill>
+          </a:ln>
+        </p:spPr>
+        <p:txBody>
+          <a:bodyPr wrap="square" rtlCol="0">
+            <a:spAutoFit/>
+          </a:bodyPr>
+          <a:lstStyle/>
+          <a:p>
+            <a:r>
+              <a:rPr lang="en-GB" dirty="0" smtClean="0"/>
+              <a:t>Queens Hospital HR Assistant</a:t>
+            </a:r>
+          </a:p>
+          <a:p>
+            <a:r>
+              <a:rPr lang="en-GB" sz="1100" dirty="0" smtClean="0"/>
+              <a:t>In this job you will be shadowing and assisting in the HR area of queens hospital. During this job you will have to…..this small part will give a brief outline of what the job is before they click onto it.</a:t>
+            </a:r>
+          </a:p>
+          <a:p>
+            <a:endParaRPr lang="en-GB" sz="1100" dirty="0"/>
+          </a:p>
+          <a:p>
+            <a:endParaRPr lang="en-GB" sz="1100" dirty="0" smtClean="0"/>
+          </a:p>
+        </p:txBody>
+      </p:sp>
+      <p:sp>
+        <p:nvSpPr>
+          <p:cNvPr id="13" name="TextBox 12"/>
+          <p:cNvSpPr txBox="1"/>
+          <p:nvPr/>
+        </p:nvSpPr>
+        <p:spPr>
+          <a:xfrm>
+            <a:off x="7661190" y="1616325"/>
+            <a:ext cx="871204" cy="276999"/>
+          </a:xfrm>
+          <a:prstGeom prst="rect">
+            <a:avLst/>
+          </a:prstGeom>
+          <a:solidFill>
+            <a:srgbClr val="00529B"/>
+          </a:solidFill>
+        </p:spPr>
+        <p:txBody>
+          <a:bodyPr wrap="square" rtlCol="0">
+            <a:spAutoFit/>
+          </a:bodyPr>
+          <a:lstStyle/>
+          <a:p>
+            <a:r>
+              <a:rPr lang="en-GB" sz="1200" dirty="0" smtClean="0">
+                <a:solidFill>
+                  <a:schemeClr val="bg1"/>
+                </a:solidFill>
+              </a:rPr>
+              <a:t>More info</a:t>
+            </a:r>
+            <a:endParaRPr lang="en-GB" sz="1200" dirty="0">
+              <a:solidFill>
+                <a:schemeClr val="bg1"/>
+              </a:solidFill>
+            </a:endParaRPr>
+          </a:p>
+        </p:txBody>
+      </p:sp>
+      <p:sp>
+        <p:nvSpPr>
+          <p:cNvPr id="14" name="TextBox 13"/>
+          <p:cNvSpPr txBox="1"/>
+          <p:nvPr/>
+        </p:nvSpPr>
+        <p:spPr>
+          <a:xfrm>
+            <a:off x="9003957" y="904791"/>
+            <a:ext cx="2957384" cy="1477328"/>
+          </a:xfrm>
+          <a:prstGeom prst="rect">
+            <a:avLst/>
+          </a:prstGeom>
+          <a:noFill/>
+        </p:spPr>
+        <p:txBody>
+          <a:bodyPr wrap="square" rtlCol="0">
+            <a:spAutoFit/>
+          </a:bodyPr>
+          <a:lstStyle/>
+          <a:p>
+            <a:r>
+              <a:rPr lang="en-GB" dirty="0" smtClean="0"/>
+              <a:t>*When the user clicks on the job’s box, here will show the location of the hospital on google maps, its address, e-mail and phone number*</a:t>
+            </a:r>
+            <a:endParaRPr lang="en-GB" dirty="0"/>
           </a:p>
         </p:txBody>
       </p:sp>
@@ -6959,6 +7333,13 @@
   <p:clrMapOvr>
     <a:masterClrMapping/>
   </p:clrMapOvr>
+  <p:timing>
+    <p:tnLst>
+      <p:par>
+        <p:cTn id="1" dur="indefinite" restart="never" nodeType="tmRoot"/>
+      </p:par>
+    </p:tnLst>
+  </p:timing>
 </p:sld>
 </file>
 
